--- a/output/modernWorship/Christ-is-enough.pptx
+++ b/output/modernWorship/Christ-is-enough.pptx
@@ -12,8 +12,6 @@
     <p:sldId r:id="rId12" id="260"/>
     <p:sldId r:id="rId13" id="261"/>
     <p:sldId r:id="rId14" id="262"/>
-    <p:sldId r:id="rId15" id="263"/>
-    <p:sldId r:id="rId16" id="264"/>
   </p:sldIdLst>
   <p:sldSz cx="9144000" cy="6858000" type="screen4x3"/>
   <p:notesSz cx="6858000" cy="9144000"/>
@@ -510,7 +508,7 @@
           <a:lstStyle/>
           <a:p>
             <a:r>
-              <a:t>(2x)</a:t>
+              <a:t>Verse 1</a:t>
             </a:r>
             <a:br/>
             <a:r>
@@ -588,7 +586,7 @@
           <a:lstStyle/>
           <a:p>
             <a:r>
-              <a:t>Verse 1</a:t>
+              <a:t>Pre-Chorus</a:t>
             </a:r>
             <a:br/>
             <a:r>
@@ -666,7 +664,7 @@
           <a:lstStyle/>
           <a:p>
             <a:r>
-              <a:t>Pre-Chorus </a:t>
+              <a:t>Chorus</a:t>
             </a:r>
             <a:br/>
             <a:r>
@@ -744,7 +742,7 @@
           <a:lstStyle/>
           <a:p>
             <a:r>
-              <a:t>Chorus </a:t>
+              <a:t>Verse 2</a:t>
             </a:r>
             <a:br/>
             <a:r>
@@ -822,7 +820,7 @@
           <a:lstStyle/>
           <a:p>
             <a:r>
-              <a:t>Verse 2</a:t>
+              <a:t>Pre-Chorus</a:t>
             </a:r>
             <a:br/>
             <a:r>
@@ -900,7 +898,7 @@
           <a:lstStyle/>
           <a:p>
             <a:r>
-              <a:t>Pre-Chorus</a:t>
+              <a:t>Bridge 1</a:t>
             </a:r>
             <a:br/>
             <a:r>
@@ -978,160 +976,7 @@
           <a:lstStyle/>
           <a:p>
             <a:r>
-              <a:t>Repeat Chorus</a:t>
-            </a:r>
-            <a:br/>
-            <a:r>
-              <a:t>Writers:  Jonas Myrin, Reuben Morgan</a:t>
-            </a:r>
-            <a:br/>
-            <a:r>
-              <a:t>CCLI:  6514035</a:t>
-            </a:r>
-          </a:p>
-        </p:txBody>
-      </p:sp>
-      <p:sp>
-        <p:nvSpPr>
-          <p:cNvPr id="4" name="Slide Number Placeholder 3"/>
-          <p:cNvSpPr>
-            <a:spLocks noGrp="1"/>
-          </p:cNvSpPr>
-          <p:nvPr>
-            <p:ph type="sldNum" idx="5" sz="quarter"/>
-          </p:nvPr>
-        </p:nvSpPr>
-        <p:spPr/>
-      </p:sp>
-    </p:spTree>
-  </p:cSld>
-  <p:clrMapOvr>
-    <a:masterClrMapping/>
-  </p:clrMapOvr>
-</p:notes>
-</file>
-
-<file path=ppt/notesSlides/notesSlide8.xml><?xml version="1.0" encoding="utf-8"?>
-<p:notes xmlns:a="http://schemas.openxmlformats.org/drawingml/2006/main" xmlns:p="http://schemas.openxmlformats.org/presentationml/2006/main" xmlns:r="http://schemas.openxmlformats.org/officeDocument/2006/relationships">
-  <p:cSld>
-    <p:spTree>
-      <p:nvGrpSpPr>
-        <p:cNvPr id="1" name=""/>
-        <p:cNvGrpSpPr/>
-        <p:nvPr/>
-      </p:nvGrpSpPr>
-      <p:grpSpPr>
-        <a:xfrm>
-          <a:off x="0" y="0"/>
-          <a:ext cx="0" cy="0"/>
-          <a:chOff x="0" y="0"/>
-          <a:chExt cx="0" cy="0"/>
-        </a:xfrm>
-      </p:grpSpPr>
-      <p:sp>
-        <p:nvSpPr>
-          <p:cNvPr id="2" name="Slide Image Placeholder 1"/>
-          <p:cNvSpPr>
-            <a:spLocks noGrp="1"/>
-          </p:cNvSpPr>
-          <p:nvPr>
-            <p:ph type="sldImg" idx="2"/>
-          </p:nvPr>
-        </p:nvSpPr>
-        <p:spPr/>
-      </p:sp>
-      <p:sp>
-        <p:nvSpPr>
-          <p:cNvPr id="3" name="Notes Placeholder 2"/>
-          <p:cNvSpPr>
-            <a:spLocks noGrp="1"/>
-          </p:cNvSpPr>
-          <p:nvPr>
-            <p:ph type="body" idx="3" sz="quarter"/>
-          </p:nvPr>
-        </p:nvSpPr>
-        <p:spPr/>
-        <p:txBody>
-          <a:bodyPr/>
-          <a:lstStyle/>
-          <a:p>
-            <a:br/>
-            <a:r>
-              <a:t>Writers:  Jonas Myrin, Reuben Morgan</a:t>
-            </a:r>
-            <a:br/>
-            <a:r>
-              <a:t>CCLI:  6514035</a:t>
-            </a:r>
-          </a:p>
-        </p:txBody>
-      </p:sp>
-      <p:sp>
-        <p:nvSpPr>
-          <p:cNvPr id="4" name="Slide Number Placeholder 3"/>
-          <p:cNvSpPr>
-            <a:spLocks noGrp="1"/>
-          </p:cNvSpPr>
-          <p:nvPr>
-            <p:ph type="sldNum" idx="5" sz="quarter"/>
-          </p:nvPr>
-        </p:nvSpPr>
-        <p:spPr/>
-      </p:sp>
-    </p:spTree>
-  </p:cSld>
-  <p:clrMapOvr>
-    <a:masterClrMapping/>
-  </p:clrMapOvr>
-</p:notes>
-</file>
-
-<file path=ppt/notesSlides/notesSlide9.xml><?xml version="1.0" encoding="utf-8"?>
-<p:notes xmlns:a="http://schemas.openxmlformats.org/drawingml/2006/main" xmlns:p="http://schemas.openxmlformats.org/presentationml/2006/main" xmlns:r="http://schemas.openxmlformats.org/officeDocument/2006/relationships">
-  <p:cSld>
-    <p:spTree>
-      <p:nvGrpSpPr>
-        <p:cNvPr id="1" name=""/>
-        <p:cNvGrpSpPr/>
-        <p:nvPr/>
-      </p:nvGrpSpPr>
-      <p:grpSpPr>
-        <a:xfrm>
-          <a:off x="0" y="0"/>
-          <a:ext cx="0" cy="0"/>
-          <a:chOff x="0" y="0"/>
-          <a:chExt cx="0" cy="0"/>
-        </a:xfrm>
-      </p:grpSpPr>
-      <p:sp>
-        <p:nvSpPr>
-          <p:cNvPr id="2" name="Slide Image Placeholder 1"/>
-          <p:cNvSpPr>
-            <a:spLocks noGrp="1"/>
-          </p:cNvSpPr>
-          <p:nvPr>
-            <p:ph type="sldImg" idx="2"/>
-          </p:nvPr>
-        </p:nvSpPr>
-        <p:spPr/>
-      </p:sp>
-      <p:sp>
-        <p:nvSpPr>
-          <p:cNvPr id="3" name="Notes Placeholder 2"/>
-          <p:cNvSpPr>
-            <a:spLocks noGrp="1"/>
-          </p:cNvSpPr>
-          <p:nvPr>
-            <p:ph type="body" idx="3" sz="quarter"/>
-          </p:nvPr>
-        </p:nvSpPr>
-        <p:spPr/>
-        <p:txBody>
-          <a:bodyPr/>
-          <a:lstStyle/>
-          <a:p>
-            <a:r>
-              <a:t>Repeat Chorus 2x</a:t>
+              <a:t>Bridge 2</a:t>
             </a:r>
             <a:br/>
             <a:r>
@@ -4171,6 +4016,22 @@
             <a:pPr>
               <a:defRPr sz="2500"/>
             </a:pPr>
+            <a:r>
+              <a:t>Christ is my reward</a:t>
+            </a:r>
+            <a:br/>
+            <a:r>
+              <a:t>And all my devotion</a:t>
+            </a:r>
+            <a:br/>
+            <a:r>
+              <a:t>Now there's nothing in this world</a:t>
+            </a:r>
+            <a:br/>
+            <a:r>
+              <a:t>That could ever satisfy</a:t>
+            </a:r>
+            <a:br/>
           </a:p>
         </p:txBody>
       </p:sp>
@@ -4201,7 +4062,7 @@
               <a:defRPr sz="1200"/>
             </a:pPr>
             <a:r>
-              <a:t>(2x)</a:t>
+              <a:t>Verse 1</a:t>
             </a:r>
             <a:br/>
             <a:r>
@@ -4259,19 +4120,19 @@
               <a:defRPr sz="2500"/>
             </a:pPr>
             <a:r>
-              <a:t>Christ is my reward</a:t>
-            </a:r>
-            <a:br/>
-            <a:r>
-              <a:t>And all my devotion  </a:t>
-            </a:r>
-            <a:br/>
-            <a:r>
-              <a:t>Now there's nothing in this world</a:t>
-            </a:r>
-            <a:br/>
-            <a:r>
-              <a:t>That could ever satisfy  </a:t>
+              <a:t>Through every trial</a:t>
+            </a:r>
+            <a:br/>
+            <a:r>
+              <a:t>My soul will sing</a:t>
+            </a:r>
+            <a:br/>
+            <a:r>
+              <a:t>No turning back</a:t>
+            </a:r>
+            <a:br/>
+            <a:r>
+              <a:t>I've been set free</a:t>
             </a:r>
             <a:br/>
           </a:p>
@@ -4304,7 +4165,7 @@
               <a:defRPr sz="1200"/>
             </a:pPr>
             <a:r>
-              <a:t>Verse 1</a:t>
+              <a:t>Pre-Chorus</a:t>
             </a:r>
             <a:br/>
             <a:r>
@@ -4362,19 +4223,19 @@
               <a:defRPr sz="2500"/>
             </a:pPr>
             <a:r>
-              <a:t>Through every trial</a:t>
-            </a:r>
-            <a:br/>
-            <a:r>
-              <a:t>My soul will sing</a:t>
-            </a:r>
-            <a:br/>
-            <a:r>
-              <a:t>No turning back</a:t>
-            </a:r>
-            <a:br/>
-            <a:r>
-              <a:t>I've been set free</a:t>
+              <a:t>Christ is enough for me</a:t>
+            </a:r>
+            <a:br/>
+            <a:r>
+              <a:t>Christ is enough for me</a:t>
+            </a:r>
+            <a:br/>
+            <a:r>
+              <a:t>Everything I need is in You</a:t>
+            </a:r>
+            <a:br/>
+            <a:r>
+              <a:t>Everything I need</a:t>
             </a:r>
             <a:br/>
           </a:p>
@@ -4407,7 +4268,7 @@
               <a:defRPr sz="1200"/>
             </a:pPr>
             <a:r>
-              <a:t>Pre-Chorus </a:t>
+              <a:t>Chorus</a:t>
             </a:r>
             <a:br/>
             <a:r>
@@ -4465,19 +4326,19 @@
               <a:defRPr sz="2500"/>
             </a:pPr>
             <a:r>
-              <a:t>Christ is enough for me</a:t>
-            </a:r>
-            <a:br/>
-            <a:r>
-              <a:t>Christ is enough for me  </a:t>
-            </a:r>
-            <a:br/>
-            <a:r>
-              <a:t>Everything I need is in You  </a:t>
-            </a:r>
-            <a:br/>
-            <a:r>
-              <a:t>Everything I need</a:t>
+              <a:t>Christ my all in all</a:t>
+            </a:r>
+            <a:br/>
+            <a:r>
+              <a:t>My joy and my salvation</a:t>
+            </a:r>
+            <a:br/>
+            <a:r>
+              <a:t>And this hope will never fail</a:t>
+            </a:r>
+            <a:br/>
+            <a:r>
+              <a:t>Heaven is our home</a:t>
             </a:r>
             <a:br/>
           </a:p>
@@ -4510,7 +4371,7 @@
               <a:defRPr sz="1200"/>
             </a:pPr>
             <a:r>
-              <a:t>Chorus </a:t>
+              <a:t>Verse 2</a:t>
             </a:r>
             <a:br/>
             <a:r>
@@ -4568,19 +4429,19 @@
               <a:defRPr sz="2500"/>
             </a:pPr>
             <a:r>
-              <a:t>Christ my all in all</a:t>
-            </a:r>
-            <a:br/>
-            <a:r>
-              <a:t>My joy and my salvation  </a:t>
-            </a:r>
-            <a:br/>
-            <a:r>
-              <a:t>And this hope will never fail</a:t>
-            </a:r>
-            <a:br/>
-            <a:r>
-              <a:t>Heaven is our home   </a:t>
+              <a:t>Through every storm</a:t>
+            </a:r>
+            <a:br/>
+            <a:r>
+              <a:t>My soul will sing</a:t>
+            </a:r>
+            <a:br/>
+            <a:r>
+              <a:t>Jesus is here</a:t>
+            </a:r>
+            <a:br/>
+            <a:r>
+              <a:t>To God be the glo - ry</a:t>
             </a:r>
             <a:br/>
           </a:p>
@@ -4613,7 +4474,7 @@
               <a:defRPr sz="1200"/>
             </a:pPr>
             <a:r>
-              <a:t>Verse 2</a:t>
+              <a:t>Pre-Chorus</a:t>
             </a:r>
             <a:br/>
             <a:r>
@@ -4671,19 +4532,43 @@
               <a:defRPr sz="2500"/>
             </a:pPr>
             <a:r>
-              <a:t>Through every storm</a:t>
-            </a:r>
-            <a:br/>
-            <a:r>
-              <a:t>My soul will sing</a:t>
-            </a:r>
-            <a:br/>
-            <a:r>
-              <a:t>Jesus is here</a:t>
-            </a:r>
-            <a:br/>
-            <a:r>
-              <a:t>To God be the glo - ry</a:t>
+              <a:t>I have decided to follow Je - sus</a:t>
+            </a:r>
+            <a:br/>
+            <a:r>
+              <a:t>No turning back    no turning back</a:t>
+            </a:r>
+            <a:br/>
+            <a:r>
+              <a:t>I have deci - ded to follow Je - sus</a:t>
+            </a:r>
+            <a:br/>
+            <a:r>
+              <a:t>No turning back no turning back</a:t>
+            </a:r>
+            <a:br/>
+            <a:r>
+              <a:t>The cross before me</a:t>
+            </a:r>
+            <a:br/>
+            <a:r>
+              <a:t>the world behind me</a:t>
+            </a:r>
+            <a:br/>
+            <a:r>
+              <a:t>No turning back    no turning back</a:t>
+            </a:r>
+            <a:br/>
+            <a:r>
+              <a:t>The cross before me</a:t>
+            </a:r>
+            <a:br/>
+            <a:r>
+              <a:t>the world behind me</a:t>
+            </a:r>
+            <a:br/>
+            <a:r>
+              <a:t>No turning back no turning back</a:t>
             </a:r>
             <a:br/>
           </a:p>
@@ -4716,7 +4601,7 @@
               <a:defRPr sz="1200"/>
             </a:pPr>
             <a:r>
-              <a:t>Pre-Chorus</a:t>
+              <a:t>Bridge 1</a:t>
             </a:r>
             <a:br/>
             <a:r>
@@ -4773,6 +4658,37 @@
             <a:pPr>
               <a:defRPr sz="2500"/>
             </a:pPr>
+            <a:r>
+              <a:t>I have deci - ded to follow Je - sus</a:t>
+            </a:r>
+            <a:br/>
+            <a:r>
+              <a:t>No turning back    no turning back</a:t>
+            </a:r>
+            <a:br/>
+            <a:r>
+              <a:t>I have deci - ded to follow Je - sus</a:t>
+            </a:r>
+            <a:br/>
+            <a:r>
+              <a:t>No turning back no turning back</a:t>
+            </a:r>
+            <a:br/>
+            <a:r>
+              <a:t>I have decided to follow Jesus</a:t>
+            </a:r>
+            <a:br/>
+            <a:r>
+              <a:t>No turning back    no turning back</a:t>
+            </a:r>
+            <a:br/>
+            <a:r>
+              <a:t>I have decided to follow Jesus</a:t>
+            </a:r>
+            <a:br/>
+            <a:r>
+              <a:t>No turning back no turning back</a:t>
+            </a:r>
             <a:br/>
           </a:p>
         </p:txBody>
@@ -4804,259 +4720,7 @@
               <a:defRPr sz="1200"/>
             </a:pPr>
             <a:r>
-              <a:t>Repeat Chorus</a:t>
-            </a:r>
-            <a:br/>
-            <a:r>
-              <a:t>Writers:  Jonas Myrin, Reuben Morgan</a:t>
-            </a:r>
-            <a:br/>
-            <a:r>
-              <a:t>CCLI:  6514035</a:t>
-            </a:r>
-          </a:p>
-        </p:txBody>
-      </p:sp>
-    </p:spTree>
-  </p:cSld>
-  <p:clrMapOvr>
-    <a:masterClrMapping/>
-  </p:clrMapOvr>
-</p:sld>
-</file>
-
-<file path=ppt/slides/slide8.xml><?xml version="1.0" encoding="utf-8"?>
-<p:sld xmlns:a="http://schemas.openxmlformats.org/drawingml/2006/main" xmlns:p="http://schemas.openxmlformats.org/presentationml/2006/main" xmlns:r="http://schemas.openxmlformats.org/officeDocument/2006/relationships">
-  <p:cSld>
-    <p:spTree>
-      <p:nvGrpSpPr>
-        <p:cNvPr id="1" name=""/>
-        <p:cNvGrpSpPr/>
-        <p:nvPr/>
-      </p:nvGrpSpPr>
-      <p:grpSpPr/>
-      <p:sp>
-        <p:nvSpPr>
-          <p:cNvPr id="2" name="TextBox 1"/>
-          <p:cNvSpPr txBox="1"/>
-          <p:nvPr/>
-        </p:nvSpPr>
-        <p:spPr>
-          <a:xfrm>
-            <a:off x="914400" y="914400"/>
-            <a:ext cx="7315200" cy="914400"/>
-          </a:xfrm>
-          <a:prstGeom prst="rect">
-            <a:avLst/>
-          </a:prstGeom>
-          <a:noFill/>
-        </p:spPr>
-        <p:txBody>
-          <a:bodyPr wrap="none">
-            <a:spAutoFit/>
-          </a:bodyPr>
-          <a:lstStyle/>
-          <a:p/>
-          <a:p>
-            <a:pPr>
-              <a:defRPr sz="2500"/>
-            </a:pPr>
-            <a:r>
-              <a:t>Bridge 1</a:t>
-            </a:r>
-            <a:br/>
-            <a:r>
-              <a:t>I have decided to follow Je - sus</a:t>
-            </a:r>
-            <a:br/>
-            <a:r>
-              <a:t>No turning back    no turning back</a:t>
-            </a:r>
-            <a:br/>
-            <a:r>
-              <a:t>I have deci - ded to follow Je - sus</a:t>
-            </a:r>
-            <a:br/>
-            <a:r>
-              <a:t>No turning back no turning back</a:t>
-            </a:r>
-            <a:br/>
-            <a:r>
-              <a:t>The cross before me</a:t>
-            </a:r>
-            <a:br/>
-            <a:r>
-              <a:t>the world behind me</a:t>
-            </a:r>
-            <a:br/>
-            <a:r>
-              <a:t>No turning back    no turning back</a:t>
-            </a:r>
-            <a:br/>
-            <a:r>
-              <a:t>The cross before me</a:t>
-            </a:r>
-            <a:br/>
-            <a:r>
-              <a:t>the world behind me</a:t>
-            </a:r>
-            <a:br/>
-            <a:r>
-              <a:t>No turning back no turning back</a:t>
-            </a:r>
-            <a:br/>
-          </a:p>
-        </p:txBody>
-      </p:sp>
-      <p:sp>
-        <p:nvSpPr>
-          <p:cNvPr id="3" name="TextBox 2"/>
-          <p:cNvSpPr txBox="1"/>
-          <p:nvPr/>
-        </p:nvSpPr>
-        <p:spPr>
-          <a:xfrm>
-            <a:off x="4572000" y="5943600"/>
-            <a:ext cx="914400" cy="914400"/>
-          </a:xfrm>
-          <a:prstGeom prst="rect">
-            <a:avLst/>
-          </a:prstGeom>
-          <a:noFill/>
-        </p:spPr>
-        <p:txBody>
-          <a:bodyPr wrap="none">
-            <a:spAutoFit/>
-          </a:bodyPr>
-          <a:lstStyle/>
-          <a:p/>
-          <a:p>
-            <a:br/>
-            <a:pPr>
-              <a:defRPr sz="1200"/>
-            </a:pPr>
-            <a:r>
-              <a:t>Writers:  Jonas Myrin, Reuben Morgan</a:t>
-            </a:r>
-            <a:br/>
-            <a:r>
-              <a:t>CCLI:  6514035</a:t>
-            </a:r>
-          </a:p>
-        </p:txBody>
-      </p:sp>
-    </p:spTree>
-  </p:cSld>
-  <p:clrMapOvr>
-    <a:masterClrMapping/>
-  </p:clrMapOvr>
-</p:sld>
-</file>
-
-<file path=ppt/slides/slide9.xml><?xml version="1.0" encoding="utf-8"?>
-<p:sld xmlns:a="http://schemas.openxmlformats.org/drawingml/2006/main" xmlns:p="http://schemas.openxmlformats.org/presentationml/2006/main" xmlns:r="http://schemas.openxmlformats.org/officeDocument/2006/relationships">
-  <p:cSld>
-    <p:spTree>
-      <p:nvGrpSpPr>
-        <p:cNvPr id="1" name=""/>
-        <p:cNvGrpSpPr/>
-        <p:nvPr/>
-      </p:nvGrpSpPr>
-      <p:grpSpPr/>
-      <p:sp>
-        <p:nvSpPr>
-          <p:cNvPr id="2" name="TextBox 1"/>
-          <p:cNvSpPr txBox="1"/>
-          <p:nvPr/>
-        </p:nvSpPr>
-        <p:spPr>
-          <a:xfrm>
-            <a:off x="914400" y="914400"/>
-            <a:ext cx="7315200" cy="914400"/>
-          </a:xfrm>
-          <a:prstGeom prst="rect">
-            <a:avLst/>
-          </a:prstGeom>
-          <a:noFill/>
-        </p:spPr>
-        <p:txBody>
-          <a:bodyPr wrap="none">
-            <a:spAutoFit/>
-          </a:bodyPr>
-          <a:lstStyle/>
-          <a:p/>
-          <a:p>
-            <a:br/>
-            <a:pPr>
-              <a:defRPr sz="2500"/>
-            </a:pPr>
-            <a:r>
               <a:t>Bridge 2</a:t>
-            </a:r>
-            <a:br/>
-            <a:r>
-              <a:t>I have deci - ded to follow Je - sus</a:t>
-            </a:r>
-            <a:br/>
-            <a:r>
-              <a:t>No turning back    no turning back</a:t>
-            </a:r>
-            <a:br/>
-            <a:r>
-              <a:t>I have deci - ded to follow Je - sus</a:t>
-            </a:r>
-            <a:br/>
-            <a:r>
-              <a:t>No turning back no turning back</a:t>
-            </a:r>
-            <a:br/>
-            <a:r>
-              <a:t>I have decided to follow Jesus</a:t>
-            </a:r>
-            <a:br/>
-            <a:r>
-              <a:t>No turning back    no turning back</a:t>
-            </a:r>
-            <a:br/>
-            <a:r>
-              <a:t>I have decided to follow Jesus</a:t>
-            </a:r>
-            <a:br/>
-            <a:r>
-              <a:t>No turning back no turning back</a:t>
-            </a:r>
-            <a:br/>
-          </a:p>
-        </p:txBody>
-      </p:sp>
-      <p:sp>
-        <p:nvSpPr>
-          <p:cNvPr id="3" name="TextBox 2"/>
-          <p:cNvSpPr txBox="1"/>
-          <p:nvPr/>
-        </p:nvSpPr>
-        <p:spPr>
-          <a:xfrm>
-            <a:off x="4572000" y="5943600"/>
-            <a:ext cx="914400" cy="914400"/>
-          </a:xfrm>
-          <a:prstGeom prst="rect">
-            <a:avLst/>
-          </a:prstGeom>
-          <a:noFill/>
-        </p:spPr>
-        <p:txBody>
-          <a:bodyPr wrap="none">
-            <a:spAutoFit/>
-          </a:bodyPr>
-          <a:lstStyle/>
-          <a:p/>
-          <a:p>
-            <a:pPr>
-              <a:defRPr sz="1200"/>
-            </a:pPr>
-            <a:r>
-              <a:t>Repeat Chorus 2x</a:t>
             </a:r>
             <a:br/>
             <a:r>
